--- a/data/copyrights.pptx
+++ b/data/copyrights.pptx
@@ -104,6 +104,11 @@
       </a:defRPr>
     </a:lvl9pPr>
   </p:defaultTextStyle>
+  <p:extLst>
+    <p:ext uri="{EFAFB233-063F-42B5-8137-9DF3F51BA10A}">
+      <p15:sldGuideLst xmlns:p15="http://schemas.microsoft.com/office/powerpoint/2012/main"/>
+    </p:ext>
+  </p:extLst>
 </p:presentation>
 </file>
 
@@ -238,7 +243,7 @@
           <a:p>
             <a:fld id="{43A320DE-961C-442D-AC6B-AB4FC7A037A6}" type="datetimeFigureOut">
               <a:rPr lang="ko-KR" altLang="en-US" smtClean="0"/>
-              <a:t>2021-06-11</a:t>
+              <a:t>2021-07-15</a:t>
             </a:fld>
             <a:endParaRPr lang="ko-KR" altLang="en-US"/>
           </a:p>
@@ -408,7 +413,7 @@
           <a:p>
             <a:fld id="{43A320DE-961C-442D-AC6B-AB4FC7A037A6}" type="datetimeFigureOut">
               <a:rPr lang="ko-KR" altLang="en-US" smtClean="0"/>
-              <a:t>2021-06-11</a:t>
+              <a:t>2021-07-15</a:t>
             </a:fld>
             <a:endParaRPr lang="ko-KR" altLang="en-US"/>
           </a:p>
@@ -588,7 +593,7 @@
           <a:p>
             <a:fld id="{43A320DE-961C-442D-AC6B-AB4FC7A037A6}" type="datetimeFigureOut">
               <a:rPr lang="ko-KR" altLang="en-US" smtClean="0"/>
-              <a:t>2021-06-11</a:t>
+              <a:t>2021-07-15</a:t>
             </a:fld>
             <a:endParaRPr lang="ko-KR" altLang="en-US"/>
           </a:p>
@@ -758,7 +763,7 @@
           <a:p>
             <a:fld id="{43A320DE-961C-442D-AC6B-AB4FC7A037A6}" type="datetimeFigureOut">
               <a:rPr lang="ko-KR" altLang="en-US" smtClean="0"/>
-              <a:t>2021-06-11</a:t>
+              <a:t>2021-07-15</a:t>
             </a:fld>
             <a:endParaRPr lang="ko-KR" altLang="en-US"/>
           </a:p>
@@ -1004,7 +1009,7 @@
           <a:p>
             <a:fld id="{43A320DE-961C-442D-AC6B-AB4FC7A037A6}" type="datetimeFigureOut">
               <a:rPr lang="ko-KR" altLang="en-US" smtClean="0"/>
-              <a:t>2021-06-11</a:t>
+              <a:t>2021-07-15</a:t>
             </a:fld>
             <a:endParaRPr lang="ko-KR" altLang="en-US"/>
           </a:p>
@@ -1236,7 +1241,7 @@
           <a:p>
             <a:fld id="{43A320DE-961C-442D-AC6B-AB4FC7A037A6}" type="datetimeFigureOut">
               <a:rPr lang="ko-KR" altLang="en-US" smtClean="0"/>
-              <a:t>2021-06-11</a:t>
+              <a:t>2021-07-15</a:t>
             </a:fld>
             <a:endParaRPr lang="ko-KR" altLang="en-US"/>
           </a:p>
@@ -1603,7 +1608,7 @@
           <a:p>
             <a:fld id="{43A320DE-961C-442D-AC6B-AB4FC7A037A6}" type="datetimeFigureOut">
               <a:rPr lang="ko-KR" altLang="en-US" smtClean="0"/>
-              <a:t>2021-06-11</a:t>
+              <a:t>2021-07-15</a:t>
             </a:fld>
             <a:endParaRPr lang="ko-KR" altLang="en-US"/>
           </a:p>
@@ -1721,7 +1726,7 @@
           <a:p>
             <a:fld id="{43A320DE-961C-442D-AC6B-AB4FC7A037A6}" type="datetimeFigureOut">
               <a:rPr lang="ko-KR" altLang="en-US" smtClean="0"/>
-              <a:t>2021-06-11</a:t>
+              <a:t>2021-07-15</a:t>
             </a:fld>
             <a:endParaRPr lang="ko-KR" altLang="en-US"/>
           </a:p>
@@ -1816,7 +1821,7 @@
           <a:p>
             <a:fld id="{43A320DE-961C-442D-AC6B-AB4FC7A037A6}" type="datetimeFigureOut">
               <a:rPr lang="ko-KR" altLang="en-US" smtClean="0"/>
-              <a:t>2021-06-11</a:t>
+              <a:t>2021-07-15</a:t>
             </a:fld>
             <a:endParaRPr lang="ko-KR" altLang="en-US"/>
           </a:p>
@@ -2093,7 +2098,7 @@
           <a:p>
             <a:fld id="{43A320DE-961C-442D-AC6B-AB4FC7A037A6}" type="datetimeFigureOut">
               <a:rPr lang="ko-KR" altLang="en-US" smtClean="0"/>
-              <a:t>2021-06-11</a:t>
+              <a:t>2021-07-15</a:t>
             </a:fld>
             <a:endParaRPr lang="ko-KR" altLang="en-US"/>
           </a:p>
@@ -2346,7 +2351,7 @@
           <a:p>
             <a:fld id="{43A320DE-961C-442D-AC6B-AB4FC7A037A6}" type="datetimeFigureOut">
               <a:rPr lang="ko-KR" altLang="en-US" smtClean="0"/>
-              <a:t>2021-06-11</a:t>
+              <a:t>2021-07-15</a:t>
             </a:fld>
             <a:endParaRPr lang="ko-KR" altLang="en-US"/>
           </a:p>
@@ -2559,7 +2564,7 @@
           <a:p>
             <a:fld id="{43A320DE-961C-442D-AC6B-AB4FC7A037A6}" type="datetimeFigureOut">
               <a:rPr lang="ko-KR" altLang="en-US" smtClean="0"/>
-              <a:t>2021-06-11</a:t>
+              <a:t>2021-07-15</a:t>
             </a:fld>
             <a:endParaRPr lang="ko-KR" altLang="en-US"/>
           </a:p>
@@ -2972,8 +2977,8 @@
         </p:nvSpPr>
         <p:spPr>
           <a:xfrm>
-            <a:off x="1264304" y="594838"/>
-            <a:ext cx="9440982" cy="923330"/>
+            <a:off x="1749501" y="594838"/>
+            <a:ext cx="8470589" cy="923330"/>
           </a:xfrm>
           <a:prstGeom prst="rect">
             <a:avLst/>
@@ -3016,38 +3021,7 @@
                   </a:outerShdw>
                 </a:effectLst>
               </a:rPr>
-              <a:t>전자정보실 블랙리스트 </a:t>
-            </a:r>
-            <a:r>
-              <a:rPr lang="en-US" altLang="ko-KR" sz="5400" b="1" cap="none" spc="0" dirty="0" err="1" smtClean="0">
-                <a:ln w="12700">
-                  <a:solidFill>
-                    <a:schemeClr val="tx2">
-                      <a:lumMod val="75000"/>
-                    </a:schemeClr>
-                  </a:solidFill>
-                  <a:prstDash val="solid"/>
-                </a:ln>
-                <a:pattFill prst="dkUpDiag">
-                  <a:fgClr>
-                    <a:schemeClr val="tx2"/>
-                  </a:fgClr>
-                  <a:bgClr>
-                    <a:schemeClr val="tx2">
-                      <a:lumMod val="20000"/>
-                      <a:lumOff val="80000"/>
-                    </a:schemeClr>
-                  </a:bgClr>
-                </a:pattFill>
-                <a:effectLst>
-                  <a:outerShdw dist="38100" dir="2640000" algn="bl" rotWithShape="0">
-                    <a:schemeClr val="tx2">
-                      <a:lumMod val="75000"/>
-                    </a:schemeClr>
-                  </a:outerShdw>
-                </a:effectLst>
-              </a:rPr>
-              <a:t>ver</a:t>
+              <a:t>전자정보실 매니지먼트 툴</a:t>
             </a:r>
             <a:r>
               <a:rPr lang="en-US" altLang="ko-KR" sz="5400" b="1" cap="none" spc="0" dirty="0" smtClean="0">
@@ -3078,7 +3052,7 @@
                   </a:outerShdw>
                 </a:effectLst>
               </a:rPr>
-              <a:t> 1.</a:t>
+              <a:t>.</a:t>
             </a:r>
             <a:endParaRPr lang="en-US" altLang="ko-KR" sz="5400" b="1" cap="none" spc="0" dirty="0">
               <a:ln w="12700">
@@ -3140,19 +3114,19 @@
             </a:r>
             <a:r>
               <a:rPr lang="ko-KR" altLang="en-US" sz="2400" dirty="0" err="1" smtClean="0"/>
-              <a:t>전자정보실에</a:t>
+              <a:t>전자정보실을</a:t>
             </a:r>
             <a:r>
               <a:rPr lang="ko-KR" altLang="en-US" sz="2400" dirty="0" smtClean="0"/>
-              <a:t> 자주 오시는 분들 중 특히 주의해야 하는 사람들을 조회할 수 있는 </a:t>
-            </a:r>
-            <a:endParaRPr lang="en-US" altLang="ko-KR" sz="2400" dirty="0" smtClean="0"/>
-          </a:p>
-          <a:p>
-            <a:pPr algn="ctr"/>
+              <a:t> 운영하는 데에 있어 유용한 도구들을 </a:t>
+            </a:r>
+            <a:r>
+              <a:rPr lang="ko-KR" altLang="en-US" sz="2400" dirty="0" err="1" smtClean="0"/>
+              <a:t>파이썬을</a:t>
+            </a:r>
             <a:r>
               <a:rPr lang="ko-KR" altLang="en-US" sz="2400" dirty="0" smtClean="0"/>
-              <a:t>프로그램이다</a:t>
+              <a:t> 통해 구현시킨 프로그램이다</a:t>
             </a:r>
             <a:r>
               <a:rPr lang="en-US" altLang="ko-KR" sz="2400" dirty="0" smtClean="0"/>
@@ -3163,23 +3137,7 @@
             <a:pPr algn="ctr"/>
             <a:r>
               <a:rPr lang="ko-KR" altLang="en-US" sz="2400" dirty="0" smtClean="0"/>
-              <a:t>본 프로그램을 이용할 일이 없었으면 좋겠으나 윈도우에서 기본 제공하는 스티커 메모장의 </a:t>
-            </a:r>
-            <a:endParaRPr lang="en-US" altLang="ko-KR" sz="2400" dirty="0" smtClean="0"/>
-          </a:p>
-          <a:p>
-            <a:pPr algn="ctr"/>
-            <a:r>
-              <a:rPr lang="ko-KR" altLang="en-US" sz="2400" dirty="0" smtClean="0"/>
-              <a:t>스크롤을 내려야 다 볼 수 </a:t>
-            </a:r>
-            <a:r>
-              <a:rPr lang="ko-KR" altLang="en-US" sz="2400" dirty="0"/>
-              <a:t>있</a:t>
-            </a:r>
-            <a:r>
-              <a:rPr lang="ko-KR" altLang="en-US" sz="2400" dirty="0" smtClean="0"/>
-              <a:t>을 정도로 많기 때문에 이 프로그램을 제작하였다</a:t>
+              <a:t>안에 들어가 있는 툴에는 블랙리스트 프로그램하고 오늘 통계를 세고 엑셀 파일로 출력할 수 있게 구현한 카운트 프로그램이 있다</a:t>
             </a:r>
             <a:r>
               <a:rPr lang="en-US" altLang="ko-KR" sz="2400" dirty="0" smtClean="0"/>
@@ -3190,19 +3148,27 @@
             <a:pPr algn="ctr"/>
             <a:r>
               <a:rPr lang="ko-KR" altLang="en-US" sz="2400" dirty="0" smtClean="0"/>
-              <a:t>인터넷에서 찾은 어느 선생님의 파일을 기반을 한 것이기에 이 프로그램에 대한 상업적 이용은 </a:t>
-            </a:r>
-            <a:r>
-              <a:rPr lang="ko-KR" altLang="en-US" sz="2400" dirty="0" err="1" smtClean="0"/>
-              <a:t>불가한오픈소스임을</a:t>
-            </a:r>
-            <a:r>
-              <a:rPr lang="ko-KR" altLang="en-US" sz="2400" dirty="0"/>
+              <a:t>블랙리스트 프로그램의 경우 </a:t>
+            </a:r>
+            <a:r>
+              <a:rPr lang="en-US" altLang="ko-KR" sz="2400" dirty="0" smtClean="0"/>
+              <a:t>data </a:t>
+            </a:r>
+            <a:r>
+              <a:rPr lang="ko-KR" altLang="en-US" sz="2400" dirty="0" smtClean="0"/>
+              <a:t>파일 내의 </a:t>
+            </a:r>
+            <a:r>
+              <a:rPr lang="en-US" altLang="ko-KR" sz="2400" dirty="0" err="1" smtClean="0"/>
+              <a:t>blacklist.json</a:t>
+            </a:r>
+            <a:r>
+              <a:rPr lang="en-US" altLang="ko-KR" sz="2400" dirty="0" smtClean="0"/>
               <a:t> </a:t>
             </a:r>
             <a:r>
               <a:rPr lang="ko-KR" altLang="en-US" sz="2400" dirty="0" smtClean="0"/>
-              <a:t>밝힌다</a:t>
+              <a:t>파일에 정보가 저장이 되며 카운트 프로그램의 경우 자체적으로 저장 파일을 다른 이름으로 저장하고 불러올 수 있는 시스템이 구현이 되어있다</a:t>
             </a:r>
             <a:r>
               <a:rPr lang="en-US" altLang="ko-KR" sz="2400" dirty="0" smtClean="0"/>
@@ -3212,14 +3178,47 @@
           <a:p>
             <a:pPr algn="ctr"/>
             <a:r>
+              <a:rPr lang="en-US" altLang="ko-KR" sz="2400" dirty="0" err="1" smtClean="0"/>
+              <a:t>Blacklist.json</a:t>
+            </a:r>
+            <a:r>
               <a:rPr lang="ko-KR" altLang="en-US" sz="2400" dirty="0" smtClean="0"/>
-              <a:t>행운을 빌며</a:t>
+              <a:t>은 복구가 힘들며 혹시 컴퓨터를 바꿀 경우 복사해서 새로운 컴퓨터 쪽에 옮겨 둘 것을 추천한다</a:t>
             </a:r>
             <a:r>
               <a:rPr lang="en-US" altLang="ko-KR" sz="2400" dirty="0" smtClean="0"/>
               <a:t>.</a:t>
             </a:r>
-            <a:endParaRPr lang="ko-KR" altLang="en-US" sz="2400" dirty="0"/>
+          </a:p>
+          <a:p>
+            <a:pPr algn="ctr"/>
+            <a:r>
+              <a:rPr lang="en-US" altLang="ko-KR" sz="2400" dirty="0" smtClean="0"/>
+              <a:t>2021.7.15 </a:t>
+            </a:r>
+            <a:r>
+              <a:rPr lang="ko-KR" altLang="en-US" sz="2400" dirty="0" smtClean="0"/>
+              <a:t>제작자 </a:t>
+            </a:r>
+            <a:r>
+              <a:rPr lang="en-US" altLang="ko-KR" sz="2400" dirty="0" smtClean="0"/>
+              <a:t>– </a:t>
+            </a:r>
+            <a:r>
+              <a:rPr lang="en-US" altLang="ko-KR" sz="2400" smtClean="0"/>
+              <a:t>Ketron12(</a:t>
+            </a:r>
+            <a:r>
+              <a:rPr lang="en-US" altLang="ko-KR" sz="2400" smtClean="0">
+                <a:hlinkClick r:id="rId2"/>
+              </a:rPr>
+              <a:t>ketron12@kakao.com</a:t>
+            </a:r>
+            <a:r>
+              <a:rPr lang="en-US" altLang="ko-KR" sz="2400" smtClean="0"/>
+              <a:t>)</a:t>
+            </a:r>
+            <a:endParaRPr lang="en-US" altLang="ko-KR" sz="2400" dirty="0" smtClean="0"/>
           </a:p>
         </p:txBody>
       </p:sp>
